--- a/week3/AB_testing.pptx
+++ b/week3/AB_testing.pptx
@@ -132,6 +132,22 @@
       </a:defRPr>
     </a:lvl9pPr>
   </p:defaultTextStyle>
+  <p:extLst>
+    <p:ext uri="{EFAFB233-063F-42B5-8137-9DF3F51BA10A}">
+      <p15:sldGuideLst xmlns:p15="http://schemas.microsoft.com/office/powerpoint/2012/main">
+        <p15:guide id="1" orient="horz" pos="2160">
+          <p15:clr>
+            <a:srgbClr val="A4A3A4"/>
+          </p15:clr>
+        </p15:guide>
+        <p15:guide id="2" pos="2880">
+          <p15:clr>
+            <a:srgbClr val="A4A3A4"/>
+          </p15:clr>
+        </p15:guide>
+      </p15:sldGuideLst>
+    </p:ext>
+  </p:extLst>
 </p:presentation>
 </file>
 
@@ -218,7 +234,7 @@
             <a:fld id="{C64E591D-F854-FD48-AA6A-794C276C33AF}" type="datetimeFigureOut">
               <a:rPr lang="en-US" smtClean="0"/>
               <a:pPr/>
-              <a:t>19/10/15</a:t>
+              <a:t>4/13/2018</a:t>
             </a:fld>
             <a:endParaRPr lang="en-US"/>
           </a:p>
@@ -385,7 +401,7 @@
             <a:fld id="{01C810F9-8F43-DA43-ADF2-82F8E6A3BCB8}" type="datetimeFigureOut">
               <a:rPr lang="en-US" smtClean="0"/>
               <a:pPr/>
-              <a:t>19/10/15</a:t>
+              <a:t>4/13/2018</a:t>
             </a:fld>
             <a:endParaRPr lang="en-US"/>
           </a:p>
@@ -836,7 +852,7 @@
             <a:fld id="{6DA0FEFC-A3D7-2B4A-9661-BE77AFB2DF77}" type="datetimeFigureOut">
               <a:rPr lang="en-US" smtClean="0"/>
               <a:pPr/>
-              <a:t>19/10/15</a:t>
+              <a:t>4/13/2018</a:t>
             </a:fld>
             <a:endParaRPr lang="en-US"/>
           </a:p>
@@ -1008,7 +1024,7 @@
             <a:fld id="{6DA0FEFC-A3D7-2B4A-9661-BE77AFB2DF77}" type="datetimeFigureOut">
               <a:rPr lang="en-US" smtClean="0"/>
               <a:pPr/>
-              <a:t>19/10/15</a:t>
+              <a:t>4/13/2018</a:t>
             </a:fld>
             <a:endParaRPr lang="en-US"/>
           </a:p>
@@ -1190,7 +1206,7 @@
             <a:fld id="{6DA0FEFC-A3D7-2B4A-9661-BE77AFB2DF77}" type="datetimeFigureOut">
               <a:rPr lang="en-US" smtClean="0"/>
               <a:pPr/>
-              <a:t>19/10/15</a:t>
+              <a:t>4/13/2018</a:t>
             </a:fld>
             <a:endParaRPr lang="en-US"/>
           </a:p>
@@ -1362,7 +1378,7 @@
             <a:fld id="{6DA0FEFC-A3D7-2B4A-9661-BE77AFB2DF77}" type="datetimeFigureOut">
               <a:rPr lang="en-US" smtClean="0"/>
               <a:pPr/>
-              <a:t>19/10/15</a:t>
+              <a:t>4/13/2018</a:t>
             </a:fld>
             <a:endParaRPr lang="en-US"/>
           </a:p>
@@ -1610,7 +1626,7 @@
             <a:fld id="{6DA0FEFC-A3D7-2B4A-9661-BE77AFB2DF77}" type="datetimeFigureOut">
               <a:rPr lang="en-US" smtClean="0"/>
               <a:pPr/>
-              <a:t>19/10/15</a:t>
+              <a:t>4/13/2018</a:t>
             </a:fld>
             <a:endParaRPr lang="en-US"/>
           </a:p>
@@ -1900,7 +1916,7 @@
             <a:fld id="{6DA0FEFC-A3D7-2B4A-9661-BE77AFB2DF77}" type="datetimeFigureOut">
               <a:rPr lang="en-US" smtClean="0"/>
               <a:pPr/>
-              <a:t>19/10/15</a:t>
+              <a:t>4/13/2018</a:t>
             </a:fld>
             <a:endParaRPr lang="en-US"/>
           </a:p>
@@ -2324,7 +2340,7 @@
             <a:fld id="{6DA0FEFC-A3D7-2B4A-9661-BE77AFB2DF77}" type="datetimeFigureOut">
               <a:rPr lang="en-US" smtClean="0"/>
               <a:pPr/>
-              <a:t>19/10/15</a:t>
+              <a:t>4/13/2018</a:t>
             </a:fld>
             <a:endParaRPr lang="en-US"/>
           </a:p>
@@ -2444,7 +2460,7 @@
             <a:fld id="{6DA0FEFC-A3D7-2B4A-9661-BE77AFB2DF77}" type="datetimeFigureOut">
               <a:rPr lang="en-US" smtClean="0"/>
               <a:pPr/>
-              <a:t>19/10/15</a:t>
+              <a:t>4/13/2018</a:t>
             </a:fld>
             <a:endParaRPr lang="en-US"/>
           </a:p>
@@ -2541,7 +2557,7 @@
             <a:fld id="{6DA0FEFC-A3D7-2B4A-9661-BE77AFB2DF77}" type="datetimeFigureOut">
               <a:rPr lang="en-US" smtClean="0"/>
               <a:pPr/>
-              <a:t>19/10/15</a:t>
+              <a:t>4/13/2018</a:t>
             </a:fld>
             <a:endParaRPr lang="en-US"/>
           </a:p>
@@ -2820,7 +2836,7 @@
             <a:fld id="{6DA0FEFC-A3D7-2B4A-9661-BE77AFB2DF77}" type="datetimeFigureOut">
               <a:rPr lang="en-US" smtClean="0"/>
               <a:pPr/>
-              <a:t>19/10/15</a:t>
+              <a:t>4/13/2018</a:t>
             </a:fld>
             <a:endParaRPr lang="en-US"/>
           </a:p>
@@ -3075,7 +3091,7 @@
             <a:fld id="{6DA0FEFC-A3D7-2B4A-9661-BE77AFB2DF77}" type="datetimeFigureOut">
               <a:rPr lang="en-US" smtClean="0"/>
               <a:pPr/>
-              <a:t>19/10/15</a:t>
+              <a:t>4/13/2018</a:t>
             </a:fld>
             <a:endParaRPr lang="en-US"/>
           </a:p>
@@ -3290,7 +3306,7 @@
             <a:fld id="{6DA0FEFC-A3D7-2B4A-9661-BE77AFB2DF77}" type="datetimeFigureOut">
               <a:rPr lang="en-US" smtClean="0"/>
               <a:pPr/>
-              <a:t>19/10/15</a:t>
+              <a:t>4/13/2018</a:t>
             </a:fld>
             <a:endParaRPr lang="en-US"/>
           </a:p>
@@ -4790,57 +4806,109 @@
           </a:p>
           <a:p>
             <a:r>
-              <a:rPr lang="en-US" dirty="0" smtClean="0"/>
+              <a:rPr lang="en-US" dirty="0" smtClean="0">
+                <a:solidFill>
+                  <a:srgbClr val="FF0000"/>
+                </a:solidFill>
+              </a:rPr>
               <a:t>Key differences</a:t>
             </a:r>
-            <a:endParaRPr lang="en-US" dirty="0"/>
+            <a:endParaRPr lang="en-US" dirty="0">
+              <a:solidFill>
+                <a:srgbClr val="FF0000"/>
+              </a:solidFill>
+            </a:endParaRPr>
           </a:p>
           <a:p>
             <a:pPr lvl="1"/>
             <a:r>
-              <a:rPr lang="en-US" dirty="0"/>
+              <a:rPr lang="en-US" dirty="0">
+                <a:solidFill>
+                  <a:srgbClr val="FF0000"/>
+                </a:solidFill>
+              </a:rPr>
               <a:t>S</a:t>
             </a:r>
             <a:r>
-              <a:rPr lang="en-US" dirty="0" smtClean="0"/>
+              <a:rPr lang="en-US" dirty="0" smtClean="0">
+                <a:solidFill>
+                  <a:srgbClr val="FF0000"/>
+                </a:solidFill>
+              </a:rPr>
               <a:t>tory</a:t>
             </a:r>
             <a:r>
-              <a:rPr lang="en-US" dirty="0"/>
+              <a:rPr lang="en-US" dirty="0">
+                <a:solidFill>
+                  <a:srgbClr val="FF0000"/>
+                </a:solidFill>
+              </a:rPr>
               <a:t>, </a:t>
             </a:r>
             <a:r>
-              <a:rPr lang="en-US" dirty="0" smtClean="0"/>
+              <a:rPr lang="en-US" dirty="0" smtClean="0">
+                <a:solidFill>
+                  <a:srgbClr val="FF0000"/>
+                </a:solidFill>
+              </a:rPr>
               <a:t>narrative</a:t>
             </a:r>
           </a:p>
           <a:p>
             <a:pPr lvl="1"/>
             <a:r>
-              <a:rPr lang="en-US" dirty="0" smtClean="0"/>
+              <a:rPr lang="en-US" dirty="0" smtClean="0">
+                <a:solidFill>
+                  <a:srgbClr val="FF0000"/>
+                </a:solidFill>
+              </a:rPr>
               <a:t>updated </a:t>
             </a:r>
             <a:r>
-              <a:rPr lang="en-US" dirty="0"/>
+              <a:rPr lang="en-US" dirty="0">
+                <a:solidFill>
+                  <a:srgbClr val="FF0000"/>
+                </a:solidFill>
+              </a:rPr>
               <a:t>visual flow </a:t>
             </a:r>
-            <a:endParaRPr lang="en-US" dirty="0" smtClean="0"/>
+            <a:endParaRPr lang="en-US" dirty="0" smtClean="0">
+              <a:solidFill>
+                <a:srgbClr val="FF0000"/>
+              </a:solidFill>
+            </a:endParaRPr>
           </a:p>
           <a:p>
             <a:pPr lvl="1"/>
             <a:r>
-              <a:rPr lang="en-US" dirty="0" smtClean="0"/>
+              <a:rPr lang="en-US" dirty="0" smtClean="0">
+                <a:solidFill>
+                  <a:srgbClr val="FF0000"/>
+                </a:solidFill>
+              </a:rPr>
               <a:t>clickable </a:t>
             </a:r>
             <a:r>
-              <a:rPr lang="en-US" dirty="0"/>
+              <a:rPr lang="en-US" dirty="0">
+                <a:solidFill>
+                  <a:srgbClr val="FF0000"/>
+                </a:solidFill>
+              </a:rPr>
               <a:t>colored boxes were </a:t>
             </a:r>
             <a:r>
-              <a:rPr lang="en-US" dirty="0" smtClean="0"/>
+              <a:rPr lang="en-US" dirty="0" smtClean="0">
+                <a:solidFill>
+                  <a:srgbClr val="FF0000"/>
+                </a:solidFill>
+              </a:rPr>
               <a:t>interactive</a:t>
             </a:r>
-            <a:endParaRPr lang="en-US" dirty="0"/>
+            <a:endParaRPr lang="en-US" dirty="0">
+              <a:solidFill>
+                <a:srgbClr val="FF0000"/>
+              </a:solidFill>
+            </a:endParaRPr>
           </a:p>
         </p:txBody>
       </p:sp>
@@ -5130,75 +5198,139 @@
           </a:p>
           <a:p>
             <a:r>
-              <a:rPr lang="en-US" b="1" dirty="0" smtClean="0"/>
+              <a:rPr lang="en-US" b="1" dirty="0" smtClean="0">
+                <a:solidFill>
+                  <a:srgbClr val="FF0000"/>
+                </a:solidFill>
+              </a:rPr>
               <a:t>Version </a:t>
             </a:r>
             <a:r>
-              <a:rPr lang="en-US" b="1" dirty="0"/>
+              <a:rPr lang="en-US" b="1" dirty="0">
+                <a:solidFill>
+                  <a:srgbClr val="FF0000"/>
+                </a:solidFill>
+              </a:rPr>
               <a:t>A </a:t>
             </a:r>
             <a:r>
-              <a:rPr lang="en-US" b="1" dirty="0" smtClean="0"/>
+              <a:rPr lang="en-US" b="1" dirty="0" smtClean="0">
+                <a:solidFill>
+                  <a:srgbClr val="FF0000"/>
+                </a:solidFill>
+              </a:rPr>
               <a:t>had 439</a:t>
             </a:r>
             <a:r>
-              <a:rPr lang="en-US" b="1" dirty="0"/>
+              <a:rPr lang="en-US" b="1" dirty="0">
+                <a:solidFill>
+                  <a:srgbClr val="FF0000"/>
+                </a:solidFill>
+              </a:rPr>
               <a:t>% </a:t>
             </a:r>
             <a:r>
-              <a:rPr lang="en-US" b="1" dirty="0" smtClean="0"/>
+              <a:rPr lang="en-US" b="1" dirty="0" smtClean="0">
+                <a:solidFill>
+                  <a:srgbClr val="FF0000"/>
+                </a:solidFill>
+              </a:rPr>
               <a:t>higher performance</a:t>
             </a:r>
             <a:r>
-              <a:rPr lang="en-US" dirty="0" smtClean="0"/>
+              <a:rPr lang="en-US" dirty="0" smtClean="0">
+                <a:solidFill>
+                  <a:srgbClr val="FF0000"/>
+                </a:solidFill>
+              </a:rPr>
               <a:t>.</a:t>
             </a:r>
           </a:p>
           <a:p>
             <a:r>
-              <a:rPr lang="en-US" dirty="0" smtClean="0"/>
+              <a:rPr lang="en-US" dirty="0" smtClean="0">
+                <a:solidFill>
+                  <a:srgbClr val="FF0000"/>
+                </a:solidFill>
+              </a:rPr>
               <a:t>Post-hoc </a:t>
             </a:r>
             <a:r>
-              <a:rPr lang="en-US" dirty="0" err="1" smtClean="0"/>
+              <a:rPr lang="en-US" dirty="0" err="1" smtClean="0">
+                <a:solidFill>
+                  <a:srgbClr val="FF0000"/>
+                </a:solidFill>
+              </a:rPr>
               <a:t>rationalisation</a:t>
             </a:r>
-            <a:endParaRPr lang="en-US" dirty="0"/>
+            <a:endParaRPr lang="en-US" dirty="0">
+              <a:solidFill>
+                <a:srgbClr val="FF0000"/>
+              </a:solidFill>
+            </a:endParaRPr>
           </a:p>
           <a:p>
             <a:pPr lvl="1"/>
             <a:r>
-              <a:rPr lang="en-US" dirty="0" smtClean="0"/>
+              <a:rPr lang="en-US" dirty="0" smtClean="0">
+                <a:solidFill>
+                  <a:srgbClr val="FF0000"/>
+                </a:solidFill>
+              </a:rPr>
               <a:t>text </a:t>
             </a:r>
             <a:r>
-              <a:rPr lang="en-US" dirty="0"/>
+              <a:rPr lang="en-US" dirty="0">
+                <a:solidFill>
+                  <a:srgbClr val="FF0000"/>
+                </a:solidFill>
+              </a:rPr>
               <a:t>within the image </a:t>
             </a:r>
             <a:r>
-              <a:rPr lang="en-US" dirty="0" smtClean="0"/>
+              <a:rPr lang="en-US" dirty="0" smtClean="0">
+                <a:solidFill>
+                  <a:srgbClr val="FF0000"/>
+                </a:solidFill>
+              </a:rPr>
               <a:t>brings focus</a:t>
             </a:r>
           </a:p>
           <a:p>
             <a:pPr lvl="1"/>
             <a:r>
-              <a:rPr lang="en-US" dirty="0" smtClean="0"/>
+              <a:rPr lang="en-US" dirty="0" smtClean="0">
+                <a:solidFill>
+                  <a:srgbClr val="FF0000"/>
+                </a:solidFill>
+              </a:rPr>
               <a:t>Form has fewer of </a:t>
             </a:r>
             <a:r>
-              <a:rPr lang="en-US" dirty="0"/>
+              <a:rPr lang="en-US" dirty="0">
+                <a:solidFill>
+                  <a:srgbClr val="FF0000"/>
+                </a:solidFill>
+              </a:rPr>
               <a:t>fields </a:t>
             </a:r>
             <a:r>
-              <a:rPr lang="en-US" dirty="0" smtClean="0"/>
+              <a:rPr lang="en-US" dirty="0" smtClean="0">
+                <a:solidFill>
+                  <a:srgbClr val="FF0000"/>
+                </a:solidFill>
+              </a:rPr>
               <a:t>looks shorter</a:t>
             </a:r>
           </a:p>
           <a:p>
             <a:pPr lvl="1"/>
             <a:r>
-              <a:rPr lang="en-US" dirty="0" smtClean="0"/>
+              <a:rPr lang="en-US" dirty="0" smtClean="0">
+                <a:solidFill>
+                  <a:srgbClr val="FF0000"/>
+                </a:solidFill>
+              </a:rPr>
               <a:t>“two images give the page a more authentic and trustworthy feel”</a:t>
             </a:r>
           </a:p>
@@ -5382,17 +5514,37 @@
           <a:p>
             <a:r>
               <a:rPr lang="en-US" dirty="0" smtClean="0"/>
-              <a:t>“Version </a:t>
-            </a:r>
-            <a:r>
-              <a:rPr lang="en-US" dirty="0"/>
+              <a:t>“</a:t>
+            </a:r>
+            <a:r>
+              <a:rPr lang="en-US" dirty="0" smtClean="0">
+                <a:solidFill>
+                  <a:srgbClr val="FF0000"/>
+                </a:solidFill>
+              </a:rPr>
+              <a:t>Version </a:t>
+            </a:r>
+            <a:r>
+              <a:rPr lang="en-US" dirty="0">
+                <a:solidFill>
+                  <a:srgbClr val="FF0000"/>
+                </a:solidFill>
+              </a:rPr>
               <a:t>B’s yellow and black button may be ugly (and I mean ugly), but it is clear and led to a 14.5% increase in conversions</a:t>
             </a:r>
             <a:r>
-              <a:rPr lang="en-US" dirty="0" smtClean="0"/>
+              <a:rPr lang="en-US" dirty="0" smtClean="0">
+                <a:solidFill>
+                  <a:srgbClr val="FF0000"/>
+                </a:solidFill>
+              </a:rPr>
               <a:t>.”</a:t>
             </a:r>
-            <a:endParaRPr lang="en-US" dirty="0"/>
+            <a:endParaRPr lang="en-US" dirty="0">
+              <a:solidFill>
+                <a:srgbClr val="FF0000"/>
+              </a:solidFill>
+            </a:endParaRPr>
           </a:p>
           <a:p>
             <a:endParaRPr lang="en-US" dirty="0"/>
@@ -5647,19 +5799,7 @@
           <a:p>
             <a:r>
               <a:rPr lang="en-US" dirty="0" smtClean="0"/>
-              <a:t>C</a:t>
-            </a:r>
-            <a:r>
-              <a:rPr lang="en-US" dirty="0" smtClean="0"/>
-              <a:t>ookies can </a:t>
-            </a:r>
-            <a:r>
-              <a:rPr lang="en-US" dirty="0" smtClean="0"/>
-              <a:t>ensure an </a:t>
-            </a:r>
-            <a:r>
-              <a:rPr lang="en-US" dirty="0" smtClean="0"/>
-              <a:t>individual gets consistent version. </a:t>
+              <a:t>Cookies can ensure an individual gets consistent version. </a:t>
             </a:r>
             <a:endParaRPr lang="en-US" dirty="0"/>
           </a:p>
@@ -5702,11 +5842,7 @@
             <a:pPr lvl="1"/>
             <a:r>
               <a:rPr lang="en-US" dirty="0" smtClean="0"/>
-              <a:t>Purchases</a:t>
-            </a:r>
-            <a:r>
-              <a:rPr lang="en-US" dirty="0" smtClean="0"/>
-              <a:t> </a:t>
+              <a:t>Purchases </a:t>
             </a:r>
             <a:endParaRPr lang="en-US" dirty="0"/>
           </a:p>
